--- a/Drupal Camp D8 Migrate Presentation_v3.pptx
+++ b/Drupal Camp D8 Migrate Presentation_v3.pptx
@@ -185,7 +185,7 @@
       </p14:sectionLst>
     </p:ext>
     <p:ext uri="{EFAFB233-063F-42B5-8137-9DF3F51BA10A}">
-      <p15:sldGuideLst xmlns:p15="http://schemas.microsoft.com/office/powerpoint/2012/main" xmlns="">
+      <p15:sldGuideLst xmlns="" xmlns:p15="http://schemas.microsoft.com/office/powerpoint/2012/main">
         <p15:guide id="1" orient="horz" pos="2160">
           <p15:clr>
             <a:srgbClr val="A4A3A4"/>
@@ -204,7 +204,7 @@
       </p15:sldGuideLst>
     </p:ext>
     <p:ext uri="{2D200454-40CA-4A62-9FC3-DE9A4176ACB9}">
-      <p15:notesGuideLst xmlns:p15="http://schemas.microsoft.com/office/powerpoint/2012/main" xmlns="">
+      <p15:notesGuideLst xmlns="" xmlns:p15="http://schemas.microsoft.com/office/powerpoint/2012/main">
         <p15:guide id="1" orient="horz" pos="2928" userDrawn="1">
           <p15:clr>
             <a:srgbClr val="A4A3A4"/>
@@ -3030,7 +3030,7 @@
               <a:rPr lang="en-US" smtClean="0">
                 <a:latin typeface="Franklin Gothic Book"/>
               </a:rPr>
-              <a:t>6/4/18</a:t>
+              <a:t>6/8/18</a:t>
             </a:fld>
             <a:endParaRPr lang="en-US" dirty="0">
               <a:latin typeface="Franklin Gothic Book"/>
@@ -3209,7 +3209,7 @@
             <a:fld id="{72792051-D94D-0844-B48A-BD4A38370BE9}" type="datetime1">
               <a:rPr lang="en-US" smtClean="0"/>
               <a:pPr/>
-              <a:t>6/4/18</a:t>
+              <a:t>6/8/18</a:t>
             </a:fld>
             <a:endParaRPr lang="en-US" dirty="0"/>
           </a:p>
@@ -10975,8 +10975,13 @@
             </a:r>
             <a:r>
               <a:rPr lang="en-US" dirty="0" smtClean="0"/>
-              <a:t> and a list of cars.</a:t>
-            </a:r>
+              <a:t> and a list of </a:t>
+            </a:r>
+            <a:r>
+              <a:rPr lang="en-US" dirty="0" smtClean="0"/>
+              <a:t>meteorite landings.</a:t>
+            </a:r>
+            <a:endParaRPr lang="en-US" dirty="0" smtClean="0"/>
           </a:p>
           <a:p>
             <a:endParaRPr lang="en-US" dirty="0"/>
@@ -11008,14 +11013,7 @@
                 <a:latin typeface="Consolas"/>
                 <a:cs typeface="Consolas"/>
               </a:rPr>
-              <a:t>meteorites</a:t>
-            </a:r>
-            <a:r>
-              <a:rPr lang="en-US" dirty="0" smtClean="0">
-                <a:latin typeface="Consolas"/>
-                <a:cs typeface="Consolas"/>
-              </a:rPr>
-              <a:t>'</a:t>
+              <a:t>meteorites'</a:t>
             </a:r>
             <a:r>
               <a:rPr lang="en-US" dirty="0">
@@ -13207,21 +13205,7 @@
                 <a:latin typeface="Consolas"/>
                 <a:cs typeface="Consolas"/>
               </a:rPr>
-              <a:t>/</a:t>
-            </a:r>
-            <a:r>
-              <a:rPr lang="en-US" dirty="0" smtClean="0">
-                <a:latin typeface="Consolas"/>
-                <a:cs typeface="Consolas"/>
-              </a:rPr>
-              <a:t>d8m</a:t>
-            </a:r>
-            <a:r>
-              <a:rPr lang="en-US" dirty="0" smtClean="0">
-                <a:latin typeface="Consolas"/>
-                <a:cs typeface="Consolas"/>
-              </a:rPr>
-              <a:t>igrate_mars_rover</a:t>
+              <a:t>/d8migrate_mars_rover</a:t>
             </a:r>
             <a:endParaRPr lang="en-US" dirty="0" smtClean="0">
               <a:latin typeface="+mj-lt"/>
@@ -13607,7 +13591,12 @@
             <p:ph type="body" sz="quarter" idx="12"/>
           </p:nvPr>
         </p:nvSpPr>
-        <p:spPr/>
+        <p:spPr>
+          <a:xfrm>
+            <a:off x="304800" y="1123950"/>
+            <a:ext cx="4800600" cy="2819400"/>
+          </a:xfrm>
+        </p:spPr>
         <p:txBody>
           <a:bodyPr/>
           <a:lstStyle/>
@@ -13658,8 +13647,23 @@
           <a:p>
             <a:r>
               <a:rPr lang="en-US" dirty="0" smtClean="0"/>
-              <a:t>Oh, and BTW, Acquia Certified Grand Master!</a:t>
-            </a:r>
+              <a:t>Oh, and BTW, Acquia Certified Grand Master</a:t>
+            </a:r>
+            <a:r>
+              <a:rPr lang="en-US" dirty="0" smtClean="0"/>
+              <a:t>!</a:t>
+            </a:r>
+          </a:p>
+          <a:p>
+            <a:r>
+              <a:rPr lang="en-US" dirty="0" smtClean="0"/>
+              <a:t>Racer of cars</a:t>
+            </a:r>
+            <a:r>
+              <a:rPr lang="mr-IN" dirty="0" smtClean="0"/>
+              <a:t>…</a:t>
+            </a:r>
+            <a:endParaRPr lang="en-US" dirty="0" smtClean="0"/>
           </a:p>
           <a:p>
             <a:r>
